--- a/Prezentacija.pptx
+++ b/Prezentacija.pptx
@@ -217,7 +217,7 @@
           <a:p>
             <a:fld id="{E746A12B-06E1-47C6-A125-3FB910654273}" type="datetimeFigureOut">
               <a:rPr lang="hr-HR" smtClean="0"/>
-              <a:t>11.7.2017.</a:t>
+              <a:t>12.7.2017.</a:t>
             </a:fld>
             <a:endParaRPr lang="hr-HR"/>
           </a:p>
@@ -382,7 +382,7 @@
           <a:p>
             <a:fld id="{DDF09DF9-2331-40B1-8AF0-8418F3307473}" type="datetimeFigureOut">
               <a:rPr lang="hr-HR" smtClean="0"/>
-              <a:t>11.7.2017.</a:t>
+              <a:t>12.7.2017.</a:t>
             </a:fld>
             <a:endParaRPr lang="hr-HR"/>
           </a:p>
@@ -2312,7 +2312,7 @@
           <a:p>
             <a:fld id="{854500A0-63A4-4CC8-93F8-0B876C651E4B}" type="datetime1">
               <a:rPr lang="hr-HR" smtClean="0"/>
-              <a:t>11.7.2017.</a:t>
+              <a:t>12.7.2017.</a:t>
             </a:fld>
             <a:endParaRPr lang="hr-HR"/>
           </a:p>
@@ -2650,7 +2650,7 @@
           <a:p>
             <a:fld id="{10FCFD3D-24D6-4348-A483-AE8C4B356E77}" type="datetime1">
               <a:rPr lang="hr-HR" smtClean="0"/>
-              <a:t>11.7.2017.</a:t>
+              <a:t>12.7.2017.</a:t>
             </a:fld>
             <a:endParaRPr lang="hr-HR"/>
           </a:p>
@@ -3051,7 +3051,7 @@
           <a:p>
             <a:fld id="{3D697BD7-E284-4CBB-B127-12A84F631B69}" type="datetime1">
               <a:rPr lang="hr-HR" smtClean="0"/>
-              <a:t>11.7.2017.</a:t>
+              <a:t>12.7.2017.</a:t>
             </a:fld>
             <a:endParaRPr lang="hr-HR"/>
           </a:p>
@@ -3387,7 +3387,7 @@
           <a:p>
             <a:fld id="{90B38E6C-04F9-4B9E-9CC9-E48F19EE57A6}" type="datetime1">
               <a:rPr lang="hr-HR" smtClean="0"/>
-              <a:t>11.7.2017.</a:t>
+              <a:t>12.7.2017.</a:t>
             </a:fld>
             <a:endParaRPr lang="hr-HR"/>
           </a:p>
@@ -3707,7 +3707,7 @@
           <a:p>
             <a:fld id="{6A2E183C-602E-4A0C-BD44-DF8CDBCFE4DB}" type="datetime1">
               <a:rPr lang="hr-HR" smtClean="0"/>
-              <a:t>11.7.2017.</a:t>
+              <a:t>12.7.2017.</a:t>
             </a:fld>
             <a:endParaRPr lang="hr-HR"/>
           </a:p>
@@ -4103,7 +4103,7 @@
           <a:p>
             <a:fld id="{51B7886B-4A1E-4C7B-AAED-FC711FF9DF08}" type="datetime1">
               <a:rPr lang="hr-HR" smtClean="0"/>
-              <a:t>11.7.2017.</a:t>
+              <a:t>12.7.2017.</a:t>
             </a:fld>
             <a:endParaRPr lang="hr-HR"/>
           </a:p>
@@ -4360,7 +4360,7 @@
           <a:p>
             <a:fld id="{24D0C1B4-DDC9-4C09-AFA6-73E25A3AEF97}" type="datetime1">
               <a:rPr lang="hr-HR" smtClean="0"/>
-              <a:t>11.7.2017.</a:t>
+              <a:t>12.7.2017.</a:t>
             </a:fld>
             <a:endParaRPr lang="hr-HR"/>
           </a:p>
@@ -4622,7 +4622,7 @@
           <a:p>
             <a:fld id="{AD981FF4-2098-4BCA-AC8D-2FFA66FD0092}" type="datetime1">
               <a:rPr lang="hr-HR" smtClean="0"/>
-              <a:t>11.7.2017.</a:t>
+              <a:t>12.7.2017.</a:t>
             </a:fld>
             <a:endParaRPr lang="hr-HR"/>
           </a:p>
@@ -4889,7 +4889,7 @@
           <a:p>
             <a:fld id="{5158170C-DB7D-4464-BDA2-88D287F6C038}" type="datetime1">
               <a:rPr lang="hr-HR" smtClean="0"/>
-              <a:t>11.7.2017.</a:t>
+              <a:t>12.7.2017.</a:t>
             </a:fld>
             <a:endParaRPr lang="hr-HR" dirty="0"/>
           </a:p>
@@ -5266,7 +5266,7 @@
           <a:p>
             <a:fld id="{D38F65CF-71B7-4583-B176-AF82EF7E1259}" type="datetime1">
               <a:rPr lang="hr-HR" smtClean="0"/>
-              <a:t>11.7.2017.</a:t>
+              <a:t>12.7.2017.</a:t>
             </a:fld>
             <a:endParaRPr lang="hr-HR"/>
           </a:p>
@@ -5589,7 +5589,7 @@
           <a:p>
             <a:fld id="{DD256983-4060-4392-A540-9478F4DD306D}" type="datetime1">
               <a:rPr lang="hr-HR" smtClean="0"/>
-              <a:t>11.7.2017.</a:t>
+              <a:t>12.7.2017.</a:t>
             </a:fld>
             <a:endParaRPr lang="hr-HR"/>
           </a:p>
@@ -6046,7 +6046,7 @@
           <a:p>
             <a:fld id="{4DADAAD3-2C3B-409B-9D21-BA737B90EF98}" type="datetime1">
               <a:rPr lang="hr-HR" smtClean="0"/>
-              <a:t>11.7.2017.</a:t>
+              <a:t>12.7.2017.</a:t>
             </a:fld>
             <a:endParaRPr lang="hr-HR"/>
           </a:p>
@@ -6251,7 +6251,7 @@
           <a:p>
             <a:fld id="{D9EACC6F-1094-4B8B-A68B-9BFB61F23A41}" type="datetime1">
               <a:rPr lang="hr-HR" smtClean="0"/>
-              <a:t>11.7.2017.</a:t>
+              <a:t>12.7.2017.</a:t>
             </a:fld>
             <a:endParaRPr lang="hr-HR"/>
           </a:p>
@@ -6428,7 +6428,7 @@
           <a:p>
             <a:fld id="{83415696-C074-4A9F-84DB-F58D64942585}" type="datetime1">
               <a:rPr lang="hr-HR" smtClean="0"/>
-              <a:t>11.7.2017.</a:t>
+              <a:t>12.7.2017.</a:t>
             </a:fld>
             <a:endParaRPr lang="hr-HR"/>
           </a:p>
@@ -6761,7 +6761,7 @@
           <a:p>
             <a:fld id="{245CFC5F-B82A-44E0-A124-339A05F87481}" type="datetime1">
               <a:rPr lang="hr-HR" smtClean="0"/>
-              <a:t>11.7.2017.</a:t>
+              <a:t>12.7.2017.</a:t>
             </a:fld>
             <a:endParaRPr lang="hr-HR"/>
           </a:p>
@@ -7106,7 +7106,7 @@
           <a:p>
             <a:fld id="{8B223EFC-6F79-4E4A-B0B4-8D6D925BDABE}" type="datetime1">
               <a:rPr lang="hr-HR" smtClean="0"/>
-              <a:t>11.7.2017.</a:t>
+              <a:t>12.7.2017.</a:t>
             </a:fld>
             <a:endParaRPr lang="hr-HR"/>
           </a:p>
@@ -9223,7 +9223,7 @@
           <a:p>
             <a:fld id="{54B92A9A-7312-4095-80CF-AA2E329C9CEB}" type="datetime1">
               <a:rPr lang="hr-HR" smtClean="0"/>
-              <a:t>11.7.2017.</a:t>
+              <a:t>12.7.2017.</a:t>
             </a:fld>
             <a:endParaRPr lang="hr-HR"/>
           </a:p>
@@ -16636,8 +16636,8 @@
           </a:p>
         </p:txBody>
       </p:sp>
-      <mc:AlternateContent xmlns:mc="http://schemas.openxmlformats.org/markup-compatibility/2006">
-        <mc:Choice xmlns:a14="http://schemas.microsoft.com/office/drawing/2010/main" Requires="a14">
+      <mc:AlternateContent xmlns:mc="http://schemas.openxmlformats.org/markup-compatibility/2006" xmlns:a14="http://schemas.microsoft.com/office/drawing/2010/main">
+        <mc:Choice Requires="a14">
           <p:sp>
             <p:nvSpPr>
               <p:cNvPr id="24" name="Pravokutnik 23"/>
@@ -16716,7 +16716,7 @@
             </p:txBody>
           </p:sp>
         </mc:Choice>
-        <mc:Fallback>
+        <mc:Fallback xmlns="">
           <p:sp>
             <p:nvSpPr>
               <p:cNvPr id="24" name="Pravokutnik 23"/>
@@ -16755,8 +16755,8 @@
           </p:sp>
         </mc:Fallback>
       </mc:AlternateContent>
-      <mc:AlternateContent xmlns:mc="http://schemas.openxmlformats.org/markup-compatibility/2006">
-        <mc:Choice xmlns:a14="http://schemas.microsoft.com/office/drawing/2010/main" Requires="a14">
+      <mc:AlternateContent xmlns:mc="http://schemas.openxmlformats.org/markup-compatibility/2006" xmlns:a14="http://schemas.microsoft.com/office/drawing/2010/main">
+        <mc:Choice Requires="a14">
           <p:sp>
             <p:nvSpPr>
               <p:cNvPr id="25" name="Pravokutnik 24"/>
@@ -16835,7 +16835,7 @@
             </p:txBody>
           </p:sp>
         </mc:Choice>
-        <mc:Fallback>
+        <mc:Fallback xmlns="">
           <p:sp>
             <p:nvSpPr>
               <p:cNvPr id="25" name="Pravokutnik 24"/>
@@ -17852,8 +17852,8 @@
           </a:p>
         </p:txBody>
       </p:sp>
-      <mc:AlternateContent xmlns:mc="http://schemas.openxmlformats.org/markup-compatibility/2006">
-        <mc:Choice xmlns:a14="http://schemas.microsoft.com/office/drawing/2010/main" Requires="a14">
+      <mc:AlternateContent xmlns:mc="http://schemas.openxmlformats.org/markup-compatibility/2006" xmlns:a14="http://schemas.microsoft.com/office/drawing/2010/main">
+        <mc:Choice Requires="a14">
           <p:sp>
             <p:nvSpPr>
               <p:cNvPr id="12" name="Rezervirano mjesto sadržaja 2"/>
@@ -18132,7 +18132,7 @@
             </p:txBody>
           </p:sp>
         </mc:Choice>
-        <mc:Fallback>
+        <mc:Fallback xmlns="">
           <p:sp>
             <p:nvSpPr>
               <p:cNvPr id="12" name="Rezervirano mjesto sadržaja 2"/>
@@ -18171,8 +18171,8 @@
           </p:sp>
         </mc:Fallback>
       </mc:AlternateContent>
-      <mc:AlternateContent xmlns:mc="http://schemas.openxmlformats.org/markup-compatibility/2006">
-        <mc:Choice xmlns:a14="http://schemas.microsoft.com/office/drawing/2010/main" Requires="a14">
+      <mc:AlternateContent xmlns:mc="http://schemas.openxmlformats.org/markup-compatibility/2006" xmlns:a14="http://schemas.microsoft.com/office/drawing/2010/main">
+        <mc:Choice Requires="a14">
           <p:sp>
             <p:nvSpPr>
               <p:cNvPr id="16" name="Rezervirano mjesto sadržaja 2"/>
@@ -18451,7 +18451,7 @@
             </p:txBody>
           </p:sp>
         </mc:Choice>
-        <mc:Fallback>
+        <mc:Fallback xmlns="">
           <p:sp>
             <p:nvSpPr>
               <p:cNvPr id="16" name="Rezervirano mjesto sadržaja 2"/>
@@ -18540,7 +18540,7 @@
       </p:pic>
       <p:pic>
         <p:nvPicPr>
-          <p:cNvPr id="25" name="Slika 24"/>
+          <p:cNvPr id="13" name="Slika 12"/>
           <p:cNvPicPr>
             <a:picLocks noChangeAspect="1"/>
           </p:cNvPicPr>
@@ -18554,8 +18554,8 @@
         </p:blipFill>
         <p:spPr>
           <a:xfrm>
-            <a:off x="1445936" y="1927503"/>
-            <a:ext cx="5749994" cy="4242454"/>
+            <a:off x="1741625" y="1940755"/>
+            <a:ext cx="5559995" cy="4498421"/>
           </a:xfrm>
           <a:prstGeom prst="rect">
             <a:avLst/>
@@ -18593,7 +18593,7 @@
                             </p:stCondLst>
                             <p:childTnLst>
                               <p:par>
-                                <p:cTn id="5" presetID="1" presetClass="entr" presetSubtype="0" fill="hold" nodeType="clickEffect">
+                                <p:cTn id="5" presetID="1" presetClass="entr" presetSubtype="0" fill="hold" grpId="0" nodeType="clickEffect">
                                   <p:stCondLst>
                                     <p:cond delay="0"/>
                                   </p:stCondLst>
@@ -18601,51 +18601,6 @@
                                     <p:set>
                                       <p:cBhvr>
                                         <p:cTn id="6" dur="1" fill="hold">
-                                          <p:stCondLst>
-                                            <p:cond delay="0"/>
-                                          </p:stCondLst>
-                                        </p:cTn>
-                                        <p:tgtEl>
-                                          <p:spTgt spid="25"/>
-                                        </p:tgtEl>
-                                        <p:attrNameLst>
-                                          <p:attrName>style.visibility</p:attrName>
-                                        </p:attrNameLst>
-                                      </p:cBhvr>
-                                      <p:to>
-                                        <p:strVal val="visible"/>
-                                      </p:to>
-                                    </p:set>
-                                  </p:childTnLst>
-                                </p:cTn>
-                              </p:par>
-                            </p:childTnLst>
-                          </p:cTn>
-                        </p:par>
-                      </p:childTnLst>
-                    </p:cTn>
-                  </p:par>
-                  <p:par>
-                    <p:cTn id="7" fill="hold">
-                      <p:stCondLst>
-                        <p:cond delay="indefinite"/>
-                      </p:stCondLst>
-                      <p:childTnLst>
-                        <p:par>
-                          <p:cTn id="8" fill="hold">
-                            <p:stCondLst>
-                              <p:cond delay="0"/>
-                            </p:stCondLst>
-                            <p:childTnLst>
-                              <p:par>
-                                <p:cTn id="9" presetID="1" presetClass="entr" presetSubtype="0" fill="hold" grpId="0" nodeType="clickEffect">
-                                  <p:stCondLst>
-                                    <p:cond delay="0"/>
-                                  </p:stCondLst>
-                                  <p:childTnLst>
-                                    <p:set>
-                                      <p:cBhvr>
-                                        <p:cTn id="10" dur="1" fill="hold">
                                           <p:stCondLst>
                                             <p:cond delay="0"/>
                                           </p:stCondLst>
@@ -18665,14 +18620,14 @@
                                 </p:cTn>
                               </p:par>
                               <p:par>
-                                <p:cTn id="11" presetID="1" presetClass="entr" presetSubtype="0" fill="hold" nodeType="withEffect">
+                                <p:cTn id="7" presetID="1" presetClass="entr" presetSubtype="0" fill="hold" nodeType="withEffect">
                                   <p:stCondLst>
                                     <p:cond delay="0"/>
                                   </p:stCondLst>
                                   <p:childTnLst>
                                     <p:set>
                                       <p:cBhvr>
-                                        <p:cTn id="12" dur="1" fill="hold">
+                                        <p:cTn id="8" dur="1" fill="hold">
                                           <p:stCondLst>
                                             <p:cond delay="0"/>
                                           </p:stCondLst>
@@ -18698,26 +18653,26 @@
                     </p:cTn>
                   </p:par>
                   <p:par>
-                    <p:cTn id="13" fill="hold">
+                    <p:cTn id="9" fill="hold">
                       <p:stCondLst>
                         <p:cond delay="indefinite"/>
                       </p:stCondLst>
                       <p:childTnLst>
                         <p:par>
-                          <p:cTn id="14" fill="hold">
+                          <p:cTn id="10" fill="hold">
                             <p:stCondLst>
                               <p:cond delay="0"/>
                             </p:stCondLst>
                             <p:childTnLst>
                               <p:par>
-                                <p:cTn id="15" presetID="1" presetClass="entr" presetSubtype="0" fill="hold" grpId="0" nodeType="clickEffect">
+                                <p:cTn id="11" presetID="1" presetClass="entr" presetSubtype="0" fill="hold" grpId="0" nodeType="clickEffect">
                                   <p:stCondLst>
                                     <p:cond delay="0"/>
                                   </p:stCondLst>
                                   <p:childTnLst>
                                     <p:set>
                                       <p:cBhvr>
-                                        <p:cTn id="16" dur="1" fill="hold">
+                                        <p:cTn id="12" dur="1" fill="hold">
                                           <p:stCondLst>
                                             <p:cond delay="0"/>
                                           </p:stCondLst>
@@ -18737,14 +18692,14 @@
                                 </p:cTn>
                               </p:par>
                               <p:par>
-                                <p:cTn id="17" presetID="1" presetClass="entr" presetSubtype="0" fill="hold" nodeType="withEffect">
+                                <p:cTn id="13" presetID="1" presetClass="entr" presetSubtype="0" fill="hold" nodeType="withEffect">
                                   <p:stCondLst>
                                     <p:cond delay="0"/>
                                   </p:stCondLst>
                                   <p:childTnLst>
                                     <p:set>
                                       <p:cBhvr>
-                                        <p:cTn id="18" dur="1" fill="hold">
+                                        <p:cTn id="14" dur="1" fill="hold">
                                           <p:stCondLst>
                                             <p:cond delay="0"/>
                                           </p:stCondLst>

--- a/Prezentacija.pptx
+++ b/Prezentacija.pptx
@@ -18593,7 +18593,7 @@
                             </p:stCondLst>
                             <p:childTnLst>
                               <p:par>
-                                <p:cTn id="5" presetID="1" presetClass="entr" presetSubtype="0" fill="hold" grpId="0" nodeType="clickEffect">
+                                <p:cTn id="5" presetID="1" presetClass="entr" presetSubtype="0" fill="hold" nodeType="clickEffect">
                                   <p:stCondLst>
                                     <p:cond delay="0"/>
                                   </p:stCondLst>
@@ -18601,6 +18601,51 @@
                                     <p:set>
                                       <p:cBhvr>
                                         <p:cTn id="6" dur="1" fill="hold">
+                                          <p:stCondLst>
+                                            <p:cond delay="0"/>
+                                          </p:stCondLst>
+                                        </p:cTn>
+                                        <p:tgtEl>
+                                          <p:spTgt spid="13"/>
+                                        </p:tgtEl>
+                                        <p:attrNameLst>
+                                          <p:attrName>style.visibility</p:attrName>
+                                        </p:attrNameLst>
+                                      </p:cBhvr>
+                                      <p:to>
+                                        <p:strVal val="visible"/>
+                                      </p:to>
+                                    </p:set>
+                                  </p:childTnLst>
+                                </p:cTn>
+                              </p:par>
+                            </p:childTnLst>
+                          </p:cTn>
+                        </p:par>
+                      </p:childTnLst>
+                    </p:cTn>
+                  </p:par>
+                  <p:par>
+                    <p:cTn id="7" fill="hold">
+                      <p:stCondLst>
+                        <p:cond delay="indefinite"/>
+                      </p:stCondLst>
+                      <p:childTnLst>
+                        <p:par>
+                          <p:cTn id="8" fill="hold">
+                            <p:stCondLst>
+                              <p:cond delay="0"/>
+                            </p:stCondLst>
+                            <p:childTnLst>
+                              <p:par>
+                                <p:cTn id="9" presetID="1" presetClass="entr" presetSubtype="0" fill="hold" grpId="0" nodeType="clickEffect">
+                                  <p:stCondLst>
+                                    <p:cond delay="0"/>
+                                  </p:stCondLst>
+                                  <p:childTnLst>
+                                    <p:set>
+                                      <p:cBhvr>
+                                        <p:cTn id="10" dur="1" fill="hold">
                                           <p:stCondLst>
                                             <p:cond delay="0"/>
                                           </p:stCondLst>
@@ -18620,14 +18665,14 @@
                                 </p:cTn>
                               </p:par>
                               <p:par>
-                                <p:cTn id="7" presetID="1" presetClass="entr" presetSubtype="0" fill="hold" nodeType="withEffect">
+                                <p:cTn id="11" presetID="1" presetClass="entr" presetSubtype="0" fill="hold" nodeType="withEffect">
                                   <p:stCondLst>
                                     <p:cond delay="0"/>
                                   </p:stCondLst>
                                   <p:childTnLst>
                                     <p:set>
                                       <p:cBhvr>
-                                        <p:cTn id="8" dur="1" fill="hold">
+                                        <p:cTn id="12" dur="1" fill="hold">
                                           <p:stCondLst>
                                             <p:cond delay="0"/>
                                           </p:stCondLst>
@@ -18653,26 +18698,26 @@
                     </p:cTn>
                   </p:par>
                   <p:par>
-                    <p:cTn id="9" fill="hold">
+                    <p:cTn id="13" fill="hold">
                       <p:stCondLst>
                         <p:cond delay="indefinite"/>
                       </p:stCondLst>
                       <p:childTnLst>
                         <p:par>
-                          <p:cTn id="10" fill="hold">
+                          <p:cTn id="14" fill="hold">
                             <p:stCondLst>
                               <p:cond delay="0"/>
                             </p:stCondLst>
                             <p:childTnLst>
                               <p:par>
-                                <p:cTn id="11" presetID="1" presetClass="entr" presetSubtype="0" fill="hold" grpId="0" nodeType="clickEffect">
+                                <p:cTn id="15" presetID="1" presetClass="entr" presetSubtype="0" fill="hold" grpId="0" nodeType="clickEffect">
                                   <p:stCondLst>
                                     <p:cond delay="0"/>
                                   </p:stCondLst>
                                   <p:childTnLst>
                                     <p:set>
                                       <p:cBhvr>
-                                        <p:cTn id="12" dur="1" fill="hold">
+                                        <p:cTn id="16" dur="1" fill="hold">
                                           <p:stCondLst>
                                             <p:cond delay="0"/>
                                           </p:stCondLst>
@@ -18692,14 +18737,14 @@
                                 </p:cTn>
                               </p:par>
                               <p:par>
-                                <p:cTn id="13" presetID="1" presetClass="entr" presetSubtype="0" fill="hold" nodeType="withEffect">
+                                <p:cTn id="17" presetID="1" presetClass="entr" presetSubtype="0" fill="hold" nodeType="withEffect">
                                   <p:stCondLst>
                                     <p:cond delay="0"/>
                                   </p:stCondLst>
                                   <p:childTnLst>
                                     <p:set>
                                       <p:cBhvr>
-                                        <p:cTn id="14" dur="1" fill="hold">
+                                        <p:cTn id="18" dur="1" fill="hold">
                                           <p:stCondLst>
                                             <p:cond delay="0"/>
                                           </p:stCondLst>
